--- a/jarden_center/main_code/single-multiple-source/baseon_setCover/第二周 (2).pptx
+++ b/jarden_center/main_code/single-multiple-source/baseon_setCover/第二周 (2).pptx
@@ -9,7 +9,7 @@
     <p:notesMasterId r:id="rId6"/>
   </p:notesMasterIdLst>
   <p:handoutMasterIdLst>
-    <p:handoutMasterId r:id="rId17"/>
+    <p:handoutMasterId r:id="rId18"/>
   </p:handoutMasterIdLst>
   <p:sldIdLst>
     <p:sldId id="256" r:id="rId4"/>
@@ -23,7 +23,8 @@
     <p:sldId id="437" r:id="rId13"/>
     <p:sldId id="438" r:id="rId14"/>
     <p:sldId id="427" r:id="rId15"/>
-    <p:sldId id="414" r:id="rId16"/>
+    <p:sldId id="446" r:id="rId16"/>
+    <p:sldId id="414" r:id="rId17"/>
   </p:sldIdLst>
   <p:sldSz cx="9144000" cy="6858000" type="screen4x3"/>
   <p:notesSz cx="6858000" cy="9144000"/>
@@ -1231,6 +1232,87 @@
 </file>
 
 <file path=ppt/notesSlides/notesSlide8.xml><?xml version="1.0" encoding="utf-8"?>
+<p:notes xmlns:a="http://schemas.openxmlformats.org/drawingml/2006/main" xmlns:r="http://schemas.openxmlformats.org/officeDocument/2006/relationships" xmlns:p="http://schemas.openxmlformats.org/presentationml/2006/main">
+  <p:cSld>
+    <p:spTree>
+      <p:nvGrpSpPr>
+        <p:cNvPr id="1" name=""/>
+        <p:cNvGrpSpPr/>
+        <p:nvPr/>
+      </p:nvGrpSpPr>
+      <p:grpSpPr>
+        <a:xfrm>
+          <a:off x="0" y="0"/>
+          <a:ext cx="0" cy="0"/>
+          <a:chOff x="0" y="0"/>
+          <a:chExt cx="0" cy="0"/>
+        </a:xfrm>
+      </p:grpSpPr>
+      <p:sp>
+        <p:nvSpPr>
+          <p:cNvPr id="2" name="幻灯片图像占位符 1"/>
+          <p:cNvSpPr>
+            <a:spLocks noGrp="1" noRot="1" noChangeAspect="1"/>
+          </p:cNvSpPr>
+          <p:nvPr>
+            <p:ph type="sldImg"/>
+          </p:nvPr>
+        </p:nvSpPr>
+        <p:spPr/>
+      </p:sp>
+      <p:sp>
+        <p:nvSpPr>
+          <p:cNvPr id="3" name="备注占位符 2"/>
+          <p:cNvSpPr>
+            <a:spLocks noGrp="1"/>
+          </p:cNvSpPr>
+          <p:nvPr>
+            <p:ph type="body" idx="1"/>
+          </p:nvPr>
+        </p:nvSpPr>
+        <p:spPr/>
+        <p:txBody>
+          <a:bodyPr/>
+          <a:lstStyle/>
+          <a:p>
+            <a:endParaRPr lang="zh-CN" altLang="en-US"/>
+          </a:p>
+          <a:p>
+            <a:endParaRPr lang="zh-CN" altLang="en-US"/>
+          </a:p>
+        </p:txBody>
+      </p:sp>
+      <p:sp>
+        <p:nvSpPr>
+          <p:cNvPr id="4" name="灯片编号占位符 3"/>
+          <p:cNvSpPr>
+            <a:spLocks noGrp="1"/>
+          </p:cNvSpPr>
+          <p:nvPr>
+            <p:ph type="sldNum" sz="quarter" idx="10"/>
+          </p:nvPr>
+        </p:nvSpPr>
+        <p:spPr/>
+        <p:txBody>
+          <a:bodyPr/>
+          <a:lstStyle/>
+          <a:p>
+            <a:fld id="{0B8D5E5B-E302-4037-973C-4553F3378864}" type="slidenum">
+              <a:rPr lang="zh-CN" altLang="en-US" smtClean="0"/>
+            </a:fld>
+            <a:endParaRPr lang="zh-CN" altLang="en-US"/>
+          </a:p>
+        </p:txBody>
+      </p:sp>
+    </p:spTree>
+  </p:cSld>
+  <p:clrMapOvr>
+    <a:masterClrMapping/>
+  </p:clrMapOvr>
+</p:notes>
+</file>
+
+<file path=ppt/notesSlides/notesSlide9.xml><?xml version="1.0" encoding="utf-8"?>
 <p:notes xmlns:a="http://schemas.openxmlformats.org/drawingml/2006/main" xmlns:r="http://schemas.openxmlformats.org/officeDocument/2006/relationships" xmlns:p="http://schemas.openxmlformats.org/presentationml/2006/main">
   <p:cSld>
     <p:spTree>
@@ -6324,7 +6406,7 @@
         <p:spPr>
           <a:xfrm>
             <a:off x="5029835" y="1630680"/>
-            <a:ext cx="3562985" cy="645160"/>
+            <a:ext cx="3562985" cy="1476375"/>
           </a:xfrm>
           <a:prstGeom prst="rect">
             <a:avLst/>
@@ -6349,6 +6431,337 @@
               <a:t>们</a:t>
             </a:r>
             <a:endParaRPr lang="zh-CN" altLang="en-US"/>
+          </a:p>
+          <a:p>
+            <a:endParaRPr lang="zh-CN" altLang="en-US"/>
+          </a:p>
+          <a:p>
+            <a:r>
+              <a:rPr lang="zh-CN" altLang="en-US"/>
+              <a:t>节点：</a:t>
+            </a:r>
+            <a:r>
+              <a:rPr lang="en-US" altLang="zh-CN"/>
+              <a:t>4039</a:t>
+            </a:r>
+            <a:endParaRPr lang="en-US" altLang="zh-CN"/>
+          </a:p>
+          <a:p>
+            <a:r>
+              <a:rPr lang="zh-CN" altLang="en-US"/>
+              <a:t>边：</a:t>
+            </a:r>
+            <a:r>
+              <a:rPr lang="en-US" altLang="zh-CN"/>
+              <a:t>88234</a:t>
+            </a:r>
+            <a:endParaRPr lang="en-US" altLang="zh-CN"/>
+          </a:p>
+        </p:txBody>
+      </p:sp>
+      <p:pic>
+        <p:nvPicPr>
+          <p:cNvPr id="4" name="图片 3"/>
+          <p:cNvPicPr>
+            <a:picLocks noChangeAspect="1"/>
+          </p:cNvPicPr>
+          <p:nvPr/>
+        </p:nvPicPr>
+        <p:blipFill>
+          <a:blip r:embed="rId3"/>
+          <a:stretch>
+            <a:fillRect/>
+          </a:stretch>
+        </p:blipFill>
+        <p:spPr>
+          <a:xfrm>
+            <a:off x="685800" y="1050925"/>
+            <a:ext cx="3538220" cy="2759075"/>
+          </a:xfrm>
+          <a:prstGeom prst="rect">
+            <a:avLst/>
+          </a:prstGeom>
+        </p:spPr>
+      </p:pic>
+      <p:sp>
+        <p:nvSpPr>
+          <p:cNvPr id="6" name="文本框 5"/>
+          <p:cNvSpPr txBox="1"/>
+          <p:nvPr/>
+        </p:nvSpPr>
+        <p:spPr>
+          <a:xfrm>
+            <a:off x="5295265" y="4471035"/>
+            <a:ext cx="3075940" cy="922020"/>
+          </a:xfrm>
+          <a:prstGeom prst="rect">
+            <a:avLst/>
+          </a:prstGeom>
+          <a:noFill/>
+        </p:spPr>
+        <p:txBody>
+          <a:bodyPr wrap="square" rtlCol="0">
+            <a:spAutoFit/>
+          </a:bodyPr>
+          <a:p>
+            <a:r>
+              <a:rPr lang="zh-CN" altLang="en-US"/>
+              <a:t>第二个数据集</a:t>
+            </a:r>
+            <a:endParaRPr lang="zh-CN" altLang="en-US"/>
+          </a:p>
+          <a:p>
+            <a:r>
+              <a:rPr lang="zh-CN" altLang="en-US"/>
+              <a:t>节点：</a:t>
+            </a:r>
+            <a:r>
+              <a:rPr lang="en-US" altLang="zh-CN"/>
+              <a:t>1005</a:t>
+            </a:r>
+            <a:endParaRPr lang="en-US" altLang="zh-CN"/>
+          </a:p>
+          <a:p>
+            <a:r>
+              <a:rPr lang="zh-CN" altLang="en-US"/>
+              <a:t>边：</a:t>
+            </a:r>
+            <a:r>
+              <a:rPr lang="en-US" altLang="zh-CN"/>
+              <a:t>25571</a:t>
+            </a:r>
+            <a:endParaRPr lang="en-US" altLang="zh-CN"/>
+          </a:p>
+        </p:txBody>
+      </p:sp>
+      <p:pic>
+        <p:nvPicPr>
+          <p:cNvPr id="9" name="图片 8"/>
+          <p:cNvPicPr>
+            <a:picLocks noChangeAspect="1"/>
+          </p:cNvPicPr>
+          <p:nvPr/>
+        </p:nvPicPr>
+        <p:blipFill>
+          <a:blip r:embed="rId4"/>
+          <a:stretch>
+            <a:fillRect/>
+          </a:stretch>
+        </p:blipFill>
+        <p:spPr>
+          <a:xfrm>
+            <a:off x="796290" y="3907790"/>
+            <a:ext cx="3427730" cy="2742565"/>
+          </a:xfrm>
+          <a:prstGeom prst="rect">
+            <a:avLst/>
+          </a:prstGeom>
+        </p:spPr>
+      </p:pic>
+    </p:spTree>
+  </p:cSld>
+  <p:clrMapOvr>
+    <a:masterClrMapping/>
+  </p:clrMapOvr>
+  <p:timing>
+    <p:tnLst>
+      <p:par>
+        <p:cTn id="1" dur="indefinite" restart="never" nodeType="tmRoot"/>
+      </p:par>
+    </p:tnLst>
+  </p:timing>
+</p:sld>
+</file>
+
+<file path=ppt/slides/slide12.xml><?xml version="1.0" encoding="utf-8"?>
+<p:sld xmlns:a="http://schemas.openxmlformats.org/drawingml/2006/main" xmlns:r="http://schemas.openxmlformats.org/officeDocument/2006/relationships" xmlns:p="http://schemas.openxmlformats.org/presentationml/2006/main">
+  <p:cSld>
+    <p:spTree>
+      <p:nvGrpSpPr>
+        <p:cNvPr id="1" name=""/>
+        <p:cNvGrpSpPr/>
+        <p:nvPr/>
+      </p:nvGrpSpPr>
+      <p:grpSpPr>
+        <a:xfrm>
+          <a:off x="0" y="0"/>
+          <a:ext cx="0" cy="0"/>
+          <a:chOff x="0" y="0"/>
+          <a:chExt cx="0" cy="0"/>
+        </a:xfrm>
+      </p:grpSpPr>
+      <p:sp>
+        <p:nvSpPr>
+          <p:cNvPr id="3" name="灯片编号占位符 2"/>
+          <p:cNvSpPr>
+            <a:spLocks noGrp="1"/>
+          </p:cNvSpPr>
+          <p:nvPr>
+            <p:ph type="sldNum" sz="quarter" idx="4"/>
+          </p:nvPr>
+        </p:nvSpPr>
+        <p:spPr/>
+        <p:txBody>
+          <a:bodyPr/>
+          <a:lstStyle/>
+          <a:p>
+            <a:fld id="{E4AD1595-9615-4E1E-9346-9F3D638DC426}" type="slidenum">
+              <a:rPr lang="zh-CN" altLang="en-US" smtClean="0"/>
+            </a:fld>
+            <a:endParaRPr lang="zh-CN" altLang="en-US"/>
+          </a:p>
+        </p:txBody>
+      </p:sp>
+      <p:sp>
+        <p:nvSpPr>
+          <p:cNvPr id="38" name="文本占位符 1"/>
+          <p:cNvSpPr>
+            <a:spLocks noGrp="1"/>
+          </p:cNvSpPr>
+          <p:nvPr>
+            <p:ph type="body" sz="quarter" idx="10"/>
+          </p:nvPr>
+        </p:nvSpPr>
+        <p:spPr>
+          <a:xfrm>
+            <a:off x="289608" y="217489"/>
+            <a:ext cx="7098163" cy="583565"/>
+          </a:xfrm>
+        </p:spPr>
+        <p:txBody>
+          <a:bodyPr/>
+          <a:lstStyle/>
+          <a:p>
+            <a:r>
+              <a:rPr dirty="0">
+                <a:sym typeface="+mn-ea"/>
+              </a:rPr>
+              <a:t>实验结</a:t>
+            </a:r>
+            <a:r>
+              <a:rPr dirty="0">
+                <a:sym typeface="+mn-ea"/>
+              </a:rPr>
+              <a:t>果</a:t>
+            </a:r>
+            <a:endParaRPr lang="zh-CN" altLang="en-US" dirty="0"/>
+          </a:p>
+        </p:txBody>
+      </p:sp>
+      <p:graphicFrame>
+        <p:nvGraphicFramePr>
+          <p:cNvPr id="5" name="对象 4">
+            <a:hlinkClick r:id="" action="ppaction://ole?verb="/>
+          </p:cNvPr>
+          <p:cNvGraphicFramePr>
+            <a:graphicFrameLocks noChangeAspect="1"/>
+          </p:cNvGraphicFramePr>
+          <p:nvPr/>
+        </p:nvGraphicFramePr>
+        <p:xfrm>
+          <a:off x="4114800" y="3321050"/>
+          <a:ext cx="914400" cy="215900"/>
+        </p:xfrm>
+        <a:graphic>
+          <a:graphicData uri="http://schemas.openxmlformats.org/presentationml/2006/ole">
+            <mc:AlternateContent xmlns:mc="http://schemas.openxmlformats.org/markup-compatibility/2006">
+              <mc:Choice xmlns:v="urn:schemas-microsoft-com:vml" Requires="v">
+                <p:oleObj spid="_x0000_s2049" name="" r:id="rId1" imgW="914400" imgH="215900" progId="Equation.KSEE3">
+                  <p:embed/>
+                </p:oleObj>
+              </mc:Choice>
+              <mc:Fallback>
+                <p:oleObj name="" r:id="rId1" imgW="914400" imgH="215900" progId="Equation.KSEE3">
+                  <p:embed/>
+                  <p:pic>
+                    <p:nvPicPr>
+                      <p:cNvPr id="0" name="图片 2048"/>
+                      <p:cNvPicPr/>
+                      <p:nvPr/>
+                    </p:nvPicPr>
+                    <p:blipFill>
+                      <a:blip r:embed="rId2"/>
+                      <a:stretch>
+                        <a:fillRect/>
+                      </a:stretch>
+                    </p:blipFill>
+                    <p:spPr>
+                      <a:xfrm>
+                        <a:off x="4114800" y="3321050"/>
+                        <a:ext cx="914400" cy="215900"/>
+                      </a:xfrm>
+                      <a:prstGeom prst="rect">
+                        <a:avLst/>
+                      </a:prstGeom>
+                    </p:spPr>
+                  </p:pic>
+                </p:oleObj>
+              </mc:Fallback>
+            </mc:AlternateContent>
+          </a:graphicData>
+        </a:graphic>
+      </p:graphicFrame>
+      <p:sp>
+        <p:nvSpPr>
+          <p:cNvPr id="7" name="文本框 6"/>
+          <p:cNvSpPr txBox="1"/>
+          <p:nvPr/>
+        </p:nvSpPr>
+        <p:spPr>
+          <a:xfrm>
+            <a:off x="454025" y="1360805"/>
+            <a:ext cx="8236585" cy="398780"/>
+          </a:xfrm>
+          <a:prstGeom prst="rect">
+            <a:avLst/>
+          </a:prstGeom>
+          <a:noFill/>
+        </p:spPr>
+        <p:txBody>
+          <a:bodyPr wrap="square" rtlCol="0">
+            <a:spAutoFit/>
+          </a:bodyPr>
+          <a:p>
+            <a:endParaRPr lang="zh-CN" altLang="en-US" sz="2000" dirty="0">
+              <a:solidFill>
+                <a:schemeClr val="tx1">
+                  <a:lumMod val="75000"/>
+                  <a:lumOff val="25000"/>
+                </a:schemeClr>
+              </a:solidFill>
+              <a:latin typeface="微软雅黑" panose="020B0503020204020204" pitchFamily="34" charset="-122"/>
+              <a:ea typeface="微软雅黑" panose="020B0503020204020204" pitchFamily="34" charset="-122"/>
+              <a:sym typeface="+mn-ea"/>
+            </a:endParaRPr>
+          </a:p>
+        </p:txBody>
+      </p:sp>
+      <p:sp>
+        <p:nvSpPr>
+          <p:cNvPr id="8" name="文本框 7"/>
+          <p:cNvSpPr txBox="1"/>
+          <p:nvPr/>
+        </p:nvSpPr>
+        <p:spPr>
+          <a:xfrm>
+            <a:off x="5029835" y="1630680"/>
+            <a:ext cx="3562985" cy="368300"/>
+          </a:xfrm>
+          <a:prstGeom prst="rect">
+            <a:avLst/>
+          </a:prstGeom>
+          <a:noFill/>
+        </p:spPr>
+        <p:txBody>
+          <a:bodyPr wrap="square" rtlCol="0">
+            <a:spAutoFit/>
+          </a:bodyPr>
+          <a:p>
+            <a:r>
+              <a:rPr lang="en-US" altLang="zh-CN"/>
+              <a:t> </a:t>
+            </a:r>
+            <a:endParaRPr lang="en-US" altLang="zh-CN"/>
           </a:p>
         </p:txBody>
       </p:sp>
@@ -6368,48 +6781,24 @@
         </p:blipFill>
         <p:spPr>
           <a:xfrm>
-            <a:off x="685800" y="3835400"/>
-            <a:ext cx="3402965" cy="2574290"/>
+            <a:off x="748030" y="1019810"/>
+            <a:ext cx="3472815" cy="2637790"/>
           </a:xfrm>
           <a:prstGeom prst="rect">
             <a:avLst/>
           </a:prstGeom>
         </p:spPr>
       </p:pic>
-      <p:pic>
-        <p:nvPicPr>
-          <p:cNvPr id="4" name="图片 3"/>
-          <p:cNvPicPr>
-            <a:picLocks noChangeAspect="1"/>
-          </p:cNvPicPr>
+      <p:sp>
+        <p:nvSpPr>
+          <p:cNvPr id="10" name="文本框 9"/>
+          <p:cNvSpPr txBox="1"/>
           <p:nvPr/>
-        </p:nvPicPr>
-        <p:blipFill>
-          <a:blip r:embed="rId4"/>
-          <a:stretch>
-            <a:fillRect/>
-          </a:stretch>
-        </p:blipFill>
+        </p:nvSpPr>
         <p:spPr>
           <a:xfrm>
-            <a:off x="685800" y="1050925"/>
-            <a:ext cx="3805555" cy="2967355"/>
-          </a:xfrm>
-          <a:prstGeom prst="rect">
-            <a:avLst/>
-          </a:prstGeom>
-        </p:spPr>
-      </p:pic>
-      <p:sp>
-        <p:nvSpPr>
-          <p:cNvPr id="6" name="文本框 5"/>
-          <p:cNvSpPr txBox="1"/>
-          <p:nvPr/>
-        </p:nvSpPr>
-        <p:spPr>
-          <a:xfrm>
-            <a:off x="5295265" y="4471035"/>
-            <a:ext cx="3075940" cy="645160"/>
+            <a:off x="5029200" y="1533525"/>
+            <a:ext cx="2751455" cy="1198880"/>
           </a:xfrm>
           <a:prstGeom prst="rect">
             <a:avLst/>
@@ -6422,13 +6811,30 @@
           </a:bodyPr>
           <a:p>
             <a:r>
+              <a:rPr lang="zh-CN" altLang="en-US"/>
+              <a:t>第三个数据集</a:t>
+            </a:r>
+            <a:endParaRPr lang="zh-CN" altLang="en-US"/>
+          </a:p>
+          <a:p>
+            <a:r>
+              <a:rPr lang="zh-CN" altLang="en-US"/>
+              <a:t>节点：5242</a:t>
+            </a:r>
+            <a:endParaRPr lang="zh-CN" altLang="en-US"/>
+          </a:p>
+          <a:p>
+            <a:r>
+              <a:rPr lang="zh-CN" altLang="en-US"/>
+              <a:t>边：</a:t>
+            </a:r>
+            <a:r>
               <a:rPr lang="en-US" altLang="zh-CN"/>
-              <a:t>our-method</a:t>
-            </a:r>
-            <a:r>
-              <a:rPr lang="zh-CN" altLang="en-US"/>
-              <a:t>第二个数据集实验效果</a:t>
-            </a:r>
+              <a:t>28980</a:t>
+            </a:r>
+            <a:endParaRPr lang="zh-CN" altLang="en-US"/>
+          </a:p>
+          <a:p>
             <a:endParaRPr lang="zh-CN" altLang="en-US"/>
           </a:p>
         </p:txBody>
@@ -6448,7 +6854,7 @@
 </p:sld>
 </file>
 
-<file path=ppt/slides/slide12.xml><?xml version="1.0" encoding="utf-8"?>
+<file path=ppt/slides/slide13.xml><?xml version="1.0" encoding="utf-8"?>
 <p:sld xmlns:a="http://schemas.openxmlformats.org/drawingml/2006/main" xmlns:r="http://schemas.openxmlformats.org/officeDocument/2006/relationships" xmlns:p="http://schemas.openxmlformats.org/presentationml/2006/main">
   <p:cSld>
     <p:spTree>

--- a/jarden_center/main_code/single-multiple-source/baseon_setCover/第二周 (2).pptx
+++ b/jarden_center/main_code/single-multiple-source/baseon_setCover/第二周 (2).pptx
@@ -9,7 +9,7 @@
     <p:notesMasterId r:id="rId6"/>
   </p:notesMasterIdLst>
   <p:handoutMasterIdLst>
-    <p:handoutMasterId r:id="rId18"/>
+    <p:handoutMasterId r:id="rId19"/>
   </p:handoutMasterIdLst>
   <p:sldIdLst>
     <p:sldId id="256" r:id="rId4"/>
@@ -22,9 +22,10 @@
     <p:sldId id="434" r:id="rId12"/>
     <p:sldId id="437" r:id="rId13"/>
     <p:sldId id="438" r:id="rId14"/>
-    <p:sldId id="427" r:id="rId15"/>
-    <p:sldId id="446" r:id="rId16"/>
-    <p:sldId id="414" r:id="rId17"/>
+    <p:sldId id="449" r:id="rId15"/>
+    <p:sldId id="427" r:id="rId16"/>
+    <p:sldId id="446" r:id="rId17"/>
+    <p:sldId id="414" r:id="rId18"/>
   </p:sldIdLst>
   <p:sldSz cx="9144000" cy="6858000" type="screen4x3"/>
   <p:notesSz cx="6858000" cy="9144000"/>
@@ -695,6 +696,87 @@
               <a:rPr lang="zh-CN" altLang="en-US"/>
               <a:t>本文拟提出一种基于卷积神经网络的表征学习算法，用卷积神经网络（CNN）作为编码器来代表实体描述的语义，把知识图谱中头部实体及其描述，尾部实体及其描述，以及头部实体与尾部实体之间的关联关系嵌入到一个连续的低维空间，从而大幅提升表征学习的效率。</a:t>
             </a:r>
+            <a:endParaRPr lang="zh-CN" altLang="en-US"/>
+          </a:p>
+        </p:txBody>
+      </p:sp>
+      <p:sp>
+        <p:nvSpPr>
+          <p:cNvPr id="4" name="灯片编号占位符 3"/>
+          <p:cNvSpPr>
+            <a:spLocks noGrp="1"/>
+          </p:cNvSpPr>
+          <p:nvPr>
+            <p:ph type="sldNum" sz="quarter" idx="10"/>
+          </p:nvPr>
+        </p:nvSpPr>
+        <p:spPr/>
+        <p:txBody>
+          <a:bodyPr/>
+          <a:lstStyle/>
+          <a:p>
+            <a:fld id="{0B8D5E5B-E302-4037-973C-4553F3378864}" type="slidenum">
+              <a:rPr lang="zh-CN" altLang="en-US" smtClean="0"/>
+            </a:fld>
+            <a:endParaRPr lang="zh-CN" altLang="en-US"/>
+          </a:p>
+        </p:txBody>
+      </p:sp>
+    </p:spTree>
+  </p:cSld>
+  <p:clrMapOvr>
+    <a:masterClrMapping/>
+  </p:clrMapOvr>
+</p:notes>
+</file>
+
+<file path=ppt/notesSlides/notesSlide10.xml><?xml version="1.0" encoding="utf-8"?>
+<p:notes xmlns:a="http://schemas.openxmlformats.org/drawingml/2006/main" xmlns:r="http://schemas.openxmlformats.org/officeDocument/2006/relationships" xmlns:p="http://schemas.openxmlformats.org/presentationml/2006/main">
+  <p:cSld>
+    <p:spTree>
+      <p:nvGrpSpPr>
+        <p:cNvPr id="1" name=""/>
+        <p:cNvGrpSpPr/>
+        <p:nvPr/>
+      </p:nvGrpSpPr>
+      <p:grpSpPr>
+        <a:xfrm>
+          <a:off x="0" y="0"/>
+          <a:ext cx="0" cy="0"/>
+          <a:chOff x="0" y="0"/>
+          <a:chExt cx="0" cy="0"/>
+        </a:xfrm>
+      </p:grpSpPr>
+      <p:sp>
+        <p:nvSpPr>
+          <p:cNvPr id="2" name="幻灯片图像占位符 1"/>
+          <p:cNvSpPr>
+            <a:spLocks noGrp="1" noRot="1" noChangeAspect="1"/>
+          </p:cNvSpPr>
+          <p:nvPr>
+            <p:ph type="sldImg"/>
+          </p:nvPr>
+        </p:nvSpPr>
+        <p:spPr/>
+      </p:sp>
+      <p:sp>
+        <p:nvSpPr>
+          <p:cNvPr id="3" name="备注占位符 2"/>
+          <p:cNvSpPr>
+            <a:spLocks noGrp="1"/>
+          </p:cNvSpPr>
+          <p:nvPr>
+            <p:ph type="body" idx="1"/>
+          </p:nvPr>
+        </p:nvSpPr>
+        <p:spPr/>
+        <p:txBody>
+          <a:bodyPr/>
+          <a:lstStyle/>
+          <a:p>
+            <a:endParaRPr lang="zh-CN" altLang="en-US"/>
+          </a:p>
+          <a:p>
             <a:endParaRPr lang="zh-CN" altLang="en-US"/>
           </a:p>
         </p:txBody>
@@ -5403,7 +5485,7 @@
                 <a:latin typeface="+mj-ea"/>
                 <a:ea typeface="+mj-ea"/>
               </a:rPr>
-              <a:t>谣言单、多源定位的统一</a:t>
+              <a:t>确定源点数目</a:t>
             </a:r>
             <a:r>
               <a:rPr lang="zh-CN" altLang="en-US" sz="2800" b="1" dirty="0">
@@ -5413,7 +5495,7 @@
                 <a:latin typeface="+mj-ea"/>
                 <a:ea typeface="+mj-ea"/>
               </a:rPr>
-              <a:t>框架</a:t>
+              <a:t>下的谣言定位</a:t>
             </a:r>
             <a:endParaRPr lang="zh-CN" altLang="en-US" sz="2800" b="1" dirty="0">
               <a:solidFill>
@@ -6150,15 +6232,7 @@
           <a:p>
             <a:r>
               <a:rPr lang="zh-CN" altLang="en-US"/>
-              <a:t>利用每次的覆盖误差率，</a:t>
-            </a:r>
-            <a:r>
-              <a:rPr lang="en-US" altLang="zh-CN"/>
-              <a:t>l</a:t>
-            </a:r>
-            <a:r>
-              <a:rPr lang="zh-CN" altLang="en-US"/>
-              <a:t>两次</a:t>
+              <a:t>利用每次的覆盖误差率之差值，</a:t>
             </a:r>
             <a:r>
               <a:rPr lang="zh-CN" altLang="en-US"/>
@@ -6174,14 +6248,6 @@
             <a:endParaRPr lang="zh-CN" altLang="en-US"/>
           </a:p>
           <a:p>
-            <a:r>
-              <a:rPr lang="en-US" altLang="zh-CN"/>
-              <a:t>tips</a:t>
-            </a:r>
-            <a:r>
-              <a:rPr lang="zh-CN" altLang="en-US"/>
-              <a:t>：</a:t>
-            </a:r>
             <a:endParaRPr lang="zh-CN" altLang="en-US"/>
           </a:p>
         </p:txBody>
@@ -6297,15 +6363,11 @@
               <a:rPr dirty="0">
                 <a:sym typeface="+mn-ea"/>
               </a:rPr>
-              <a:t>实验结</a:t>
-            </a:r>
-            <a:r>
-              <a:rPr dirty="0">
-                <a:sym typeface="+mn-ea"/>
-              </a:rPr>
-              <a:t>果</a:t>
-            </a:r>
-            <a:endParaRPr lang="zh-CN" altLang="en-US" dirty="0"/>
+              <a:t>评价标准</a:t>
+            </a:r>
+            <a:endParaRPr dirty="0">
+              <a:sym typeface="+mn-ea"/>
+            </a:endParaRPr>
           </a:p>
         </p:txBody>
       </p:sp>
@@ -6406,7 +6468,7 @@
         <p:spPr>
           <a:xfrm>
             <a:off x="5029835" y="1630680"/>
-            <a:ext cx="3562985" cy="1476375"/>
+            <a:ext cx="3562985" cy="368300"/>
           </a:xfrm>
           <a:prstGeom prst="rect">
             <a:avLst/>
@@ -6422,40 +6484,71 @@
               <a:rPr lang="en-US" altLang="zh-CN"/>
               <a:t>   </a:t>
             </a:r>
-            <a:r>
-              <a:rPr lang="zh-CN" altLang="en-US"/>
-              <a:t>同一数据集上的实验，我们的效果优于它</a:t>
-            </a:r>
-            <a:r>
-              <a:rPr lang="zh-CN" altLang="en-US"/>
-              <a:t>们</a:t>
-            </a:r>
-            <a:endParaRPr lang="zh-CN" altLang="en-US"/>
-          </a:p>
-          <a:p>
-            <a:endParaRPr lang="zh-CN" altLang="en-US"/>
-          </a:p>
-          <a:p>
-            <a:r>
-              <a:rPr lang="zh-CN" altLang="en-US"/>
-              <a:t>节点：</a:t>
-            </a:r>
-            <a:r>
-              <a:rPr lang="en-US" altLang="zh-CN"/>
-              <a:t>4039</a:t>
-            </a:r>
-            <a:endParaRPr lang="en-US" altLang="zh-CN"/>
-          </a:p>
-          <a:p>
-            <a:r>
-              <a:rPr lang="zh-CN" altLang="en-US"/>
-              <a:t>边：</a:t>
-            </a:r>
-            <a:r>
-              <a:rPr lang="en-US" altLang="zh-CN"/>
-              <a:t>88234</a:t>
-            </a:r>
-            <a:endParaRPr lang="en-US" altLang="zh-CN"/>
+            <a:endParaRPr lang="zh-CN" altLang="en-US"/>
+          </a:p>
+        </p:txBody>
+      </p:sp>
+      <p:sp>
+        <p:nvSpPr>
+          <p:cNvPr id="6" name="文本框 5"/>
+          <p:cNvSpPr txBox="1"/>
+          <p:nvPr/>
+        </p:nvSpPr>
+        <p:spPr>
+          <a:xfrm>
+            <a:off x="6394450" y="3073400"/>
+            <a:ext cx="2559685" cy="922020"/>
+          </a:xfrm>
+          <a:prstGeom prst="rect">
+            <a:avLst/>
+          </a:prstGeom>
+          <a:noFill/>
+        </p:spPr>
+        <p:txBody>
+          <a:bodyPr wrap="square" rtlCol="0">
+            <a:spAutoFit/>
+          </a:bodyPr>
+          <a:p>
+            <a:endParaRPr lang="zh-CN" altLang="en-US"/>
+          </a:p>
+          <a:p>
+            <a:endParaRPr lang="zh-CN" altLang="en-US"/>
+          </a:p>
+          <a:p>
+            <a:endParaRPr lang="zh-CN" altLang="en-US"/>
+          </a:p>
+        </p:txBody>
+      </p:sp>
+      <p:sp>
+        <p:nvSpPr>
+          <p:cNvPr id="9" name="文本框 8"/>
+          <p:cNvSpPr txBox="1"/>
+          <p:nvPr/>
+        </p:nvSpPr>
+        <p:spPr>
+          <a:xfrm>
+            <a:off x="5898515" y="1861820"/>
+            <a:ext cx="3056255" cy="398780"/>
+          </a:xfrm>
+          <a:prstGeom prst="rect">
+            <a:avLst/>
+          </a:prstGeom>
+          <a:noFill/>
+        </p:spPr>
+        <p:txBody>
+          <a:bodyPr wrap="square" rtlCol="0">
+            <a:spAutoFit/>
+          </a:bodyPr>
+          <a:p>
+            <a:r>
+              <a:rPr lang="en-US" altLang="zh-CN" sz="2000" b="1"/>
+              <a:t>K</a:t>
+            </a:r>
+            <a:r>
+              <a:rPr lang="zh-CN" altLang="en-US" sz="2000" b="1"/>
+              <a:t>为源点个数</a:t>
+            </a:r>
+            <a:endParaRPr lang="zh-CN" altLang="en-US" sz="2000" b="1"/>
           </a:p>
         </p:txBody>
       </p:sp>
@@ -6475,83 +6568,8 @@
         </p:blipFill>
         <p:spPr>
           <a:xfrm>
-            <a:off x="685800" y="1050925"/>
-            <a:ext cx="3538220" cy="2759075"/>
-          </a:xfrm>
-          <a:prstGeom prst="rect">
-            <a:avLst/>
-          </a:prstGeom>
-        </p:spPr>
-      </p:pic>
-      <p:sp>
-        <p:nvSpPr>
-          <p:cNvPr id="6" name="文本框 5"/>
-          <p:cNvSpPr txBox="1"/>
-          <p:nvPr/>
-        </p:nvSpPr>
-        <p:spPr>
-          <a:xfrm>
-            <a:off x="5295265" y="4471035"/>
-            <a:ext cx="3075940" cy="922020"/>
-          </a:xfrm>
-          <a:prstGeom prst="rect">
-            <a:avLst/>
-          </a:prstGeom>
-          <a:noFill/>
-        </p:spPr>
-        <p:txBody>
-          <a:bodyPr wrap="square" rtlCol="0">
-            <a:spAutoFit/>
-          </a:bodyPr>
-          <a:p>
-            <a:r>
-              <a:rPr lang="zh-CN" altLang="en-US"/>
-              <a:t>第二个数据集</a:t>
-            </a:r>
-            <a:endParaRPr lang="zh-CN" altLang="en-US"/>
-          </a:p>
-          <a:p>
-            <a:r>
-              <a:rPr lang="zh-CN" altLang="en-US"/>
-              <a:t>节点：</a:t>
-            </a:r>
-            <a:r>
-              <a:rPr lang="en-US" altLang="zh-CN"/>
-              <a:t>1005</a:t>
-            </a:r>
-            <a:endParaRPr lang="en-US" altLang="zh-CN"/>
-          </a:p>
-          <a:p>
-            <a:r>
-              <a:rPr lang="zh-CN" altLang="en-US"/>
-              <a:t>边：</a:t>
-            </a:r>
-            <a:r>
-              <a:rPr lang="en-US" altLang="zh-CN"/>
-              <a:t>25571</a:t>
-            </a:r>
-            <a:endParaRPr lang="en-US" altLang="zh-CN"/>
-          </a:p>
-        </p:txBody>
-      </p:sp>
-      <p:pic>
-        <p:nvPicPr>
-          <p:cNvPr id="9" name="图片 8"/>
-          <p:cNvPicPr>
-            <a:picLocks noChangeAspect="1"/>
-          </p:cNvPicPr>
-          <p:nvPr/>
-        </p:nvPicPr>
-        <p:blipFill>
-          <a:blip r:embed="rId4"/>
-          <a:stretch>
-            <a:fillRect/>
-          </a:stretch>
-        </p:blipFill>
-        <p:spPr>
-          <a:xfrm>
-            <a:off x="796290" y="3907790"/>
-            <a:ext cx="3427730" cy="2742565"/>
+            <a:off x="521970" y="1759585"/>
+            <a:ext cx="5258435" cy="1684655"/>
           </a:xfrm>
           <a:prstGeom prst="rect">
             <a:avLst/>
@@ -6744,8 +6762,8 @@
         </p:nvSpPr>
         <p:spPr>
           <a:xfrm>
-            <a:off x="5029835" y="1630680"/>
-            <a:ext cx="3562985" cy="368300"/>
+            <a:off x="454025" y="3336290"/>
+            <a:ext cx="3562985" cy="553085"/>
           </a:xfrm>
           <a:prstGeom prst="rect">
             <a:avLst/>
@@ -6759,15 +6777,34 @@
           <a:p>
             <a:r>
               <a:rPr lang="en-US" altLang="zh-CN"/>
-              <a:t> </a:t>
-            </a:r>
-            <a:endParaRPr lang="en-US" altLang="zh-CN"/>
+              <a:t>   </a:t>
+            </a:r>
+            <a:endParaRPr lang="zh-CN" altLang="en-US"/>
+          </a:p>
+          <a:p>
+            <a:r>
+              <a:rPr lang="zh-CN" altLang="en-US" sz="1200" b="1"/>
+              <a:t>第一个数据集    节点：</a:t>
+            </a:r>
+            <a:r>
+              <a:rPr lang="en-US" altLang="zh-CN" sz="1200" b="1"/>
+              <a:t>4039      </a:t>
+            </a:r>
+            <a:r>
+              <a:rPr lang="zh-CN" altLang="en-US" sz="1200" b="1"/>
+              <a:t>边：</a:t>
+            </a:r>
+            <a:r>
+              <a:rPr lang="en-US" altLang="zh-CN" sz="1200" b="1"/>
+              <a:t>88234</a:t>
+            </a:r>
+            <a:endParaRPr lang="en-US" altLang="zh-CN" sz="1200" b="1"/>
           </a:p>
         </p:txBody>
       </p:sp>
       <p:pic>
         <p:nvPicPr>
-          <p:cNvPr id="2" name="图片 1"/>
+          <p:cNvPr id="4" name="图片 3"/>
           <p:cNvPicPr>
             <a:picLocks noChangeAspect="1"/>
           </p:cNvPicPr>
@@ -6781,8 +6818,8 @@
         </p:blipFill>
         <p:spPr>
           <a:xfrm>
-            <a:off x="748030" y="1019810"/>
-            <a:ext cx="3472815" cy="2637790"/>
+            <a:off x="685800" y="998855"/>
+            <a:ext cx="3255010" cy="2538095"/>
           </a:xfrm>
           <a:prstGeom prst="rect">
             <a:avLst/>
@@ -6791,14 +6828,14 @@
       </p:pic>
       <p:sp>
         <p:nvSpPr>
-          <p:cNvPr id="10" name="文本框 9"/>
+          <p:cNvPr id="6" name="文本框 5"/>
           <p:cNvSpPr txBox="1"/>
           <p:nvPr/>
         </p:nvSpPr>
         <p:spPr>
           <a:xfrm>
-            <a:off x="5029200" y="1533525"/>
-            <a:ext cx="2751455" cy="1198880"/>
+            <a:off x="4114800" y="4549140"/>
+            <a:ext cx="739140" cy="1353185"/>
           </a:xfrm>
           <a:prstGeom prst="rect">
             <a:avLst/>
@@ -6810,35 +6847,56 @@
             <a:spAutoFit/>
           </a:bodyPr>
           <a:p>
-            <a:r>
-              <a:rPr lang="zh-CN" altLang="en-US"/>
-              <a:t>第三个数据集</a:t>
-            </a:r>
-            <a:endParaRPr lang="zh-CN" altLang="en-US"/>
-          </a:p>
-          <a:p>
-            <a:r>
-              <a:rPr lang="zh-CN" altLang="en-US"/>
-              <a:t>节点：5242</a:t>
-            </a:r>
-            <a:endParaRPr lang="zh-CN" altLang="en-US"/>
-          </a:p>
-          <a:p>
-            <a:r>
-              <a:rPr lang="zh-CN" altLang="en-US"/>
+            <a:endParaRPr lang="zh-CN" altLang="en-US"/>
+          </a:p>
+          <a:p>
+            <a:r>
+              <a:rPr lang="zh-CN" altLang="en-US" sz="1600" b="1"/>
+              <a:t>节点：</a:t>
+            </a:r>
+            <a:r>
+              <a:rPr lang="en-US" altLang="zh-CN" sz="1600" b="1"/>
+              <a:t>1005</a:t>
+            </a:r>
+            <a:endParaRPr lang="en-US" altLang="zh-CN" sz="1600" b="1"/>
+          </a:p>
+          <a:p>
+            <a:r>
+              <a:rPr lang="zh-CN" altLang="en-US" sz="1600" b="1"/>
               <a:t>边：</a:t>
             </a:r>
             <a:r>
-              <a:rPr lang="en-US" altLang="zh-CN"/>
-              <a:t>28980</a:t>
-            </a:r>
-            <a:endParaRPr lang="zh-CN" altLang="en-US"/>
-          </a:p>
-          <a:p>
-            <a:endParaRPr lang="zh-CN" altLang="en-US"/>
-          </a:p>
-        </p:txBody>
-      </p:sp>
+              <a:rPr lang="en-US" altLang="zh-CN" sz="1600" b="1"/>
+              <a:t>25571</a:t>
+            </a:r>
+            <a:endParaRPr lang="en-US" altLang="zh-CN" sz="1600" b="1"/>
+          </a:p>
+        </p:txBody>
+      </p:sp>
+      <p:pic>
+        <p:nvPicPr>
+          <p:cNvPr id="9" name="图片 8"/>
+          <p:cNvPicPr>
+            <a:picLocks noChangeAspect="1"/>
+          </p:cNvPicPr>
+          <p:nvPr/>
+        </p:nvPicPr>
+        <p:blipFill>
+          <a:blip r:embed="rId4"/>
+          <a:stretch>
+            <a:fillRect/>
+          </a:stretch>
+        </p:blipFill>
+        <p:spPr>
+          <a:xfrm>
+            <a:off x="513080" y="3853180"/>
+            <a:ext cx="3427730" cy="2742565"/>
+          </a:xfrm>
+          <a:prstGeom prst="rect">
+            <a:avLst/>
+          </a:prstGeom>
+        </p:spPr>
+      </p:pic>
     </p:spTree>
   </p:cSld>
   <p:clrMapOvr>
@@ -6914,8 +6972,16 @@
           <a:lstStyle/>
           <a:p>
             <a:r>
-              <a:rPr lang="zh-CN" altLang="en-US" dirty="0"/>
-              <a:t>贡献点</a:t>
+              <a:rPr dirty="0">
+                <a:sym typeface="+mn-ea"/>
+              </a:rPr>
+              <a:t>实验结</a:t>
+            </a:r>
+            <a:r>
+              <a:rPr dirty="0">
+                <a:sym typeface="+mn-ea"/>
+              </a:rPr>
+              <a:t>果</a:t>
             </a:r>
             <a:endParaRPr lang="zh-CN" altLang="en-US" dirty="0"/>
           </a:p>
@@ -7011,6 +7077,358 @@
       </p:sp>
       <p:sp>
         <p:nvSpPr>
+          <p:cNvPr id="8" name="文本框 7"/>
+          <p:cNvSpPr txBox="1"/>
+          <p:nvPr/>
+        </p:nvSpPr>
+        <p:spPr>
+          <a:xfrm>
+            <a:off x="5029835" y="1630680"/>
+            <a:ext cx="3562985" cy="368300"/>
+          </a:xfrm>
+          <a:prstGeom prst="rect">
+            <a:avLst/>
+          </a:prstGeom>
+          <a:noFill/>
+        </p:spPr>
+        <p:txBody>
+          <a:bodyPr wrap="square" rtlCol="0">
+            <a:spAutoFit/>
+          </a:bodyPr>
+          <a:p>
+            <a:r>
+              <a:rPr lang="en-US" altLang="zh-CN"/>
+              <a:t> </a:t>
+            </a:r>
+            <a:endParaRPr lang="en-US" altLang="zh-CN"/>
+          </a:p>
+        </p:txBody>
+      </p:sp>
+      <p:pic>
+        <p:nvPicPr>
+          <p:cNvPr id="2" name="图片 1"/>
+          <p:cNvPicPr>
+            <a:picLocks noChangeAspect="1"/>
+          </p:cNvPicPr>
+          <p:nvPr/>
+        </p:nvPicPr>
+        <p:blipFill>
+          <a:blip r:embed="rId3"/>
+          <a:stretch>
+            <a:fillRect/>
+          </a:stretch>
+        </p:blipFill>
+        <p:spPr>
+          <a:xfrm>
+            <a:off x="748030" y="1019810"/>
+            <a:ext cx="3788410" cy="2877185"/>
+          </a:xfrm>
+          <a:prstGeom prst="rect">
+            <a:avLst/>
+          </a:prstGeom>
+        </p:spPr>
+      </p:pic>
+      <p:sp>
+        <p:nvSpPr>
+          <p:cNvPr id="10" name="文本框 9"/>
+          <p:cNvSpPr txBox="1"/>
+          <p:nvPr/>
+        </p:nvSpPr>
+        <p:spPr>
+          <a:xfrm>
+            <a:off x="5029200" y="1533525"/>
+            <a:ext cx="2751455" cy="1198880"/>
+          </a:xfrm>
+          <a:prstGeom prst="rect">
+            <a:avLst/>
+          </a:prstGeom>
+          <a:noFill/>
+        </p:spPr>
+        <p:txBody>
+          <a:bodyPr wrap="square" rtlCol="0">
+            <a:spAutoFit/>
+          </a:bodyPr>
+          <a:p>
+            <a:r>
+              <a:rPr lang="zh-CN" altLang="en-US"/>
+              <a:t>第三个数据集</a:t>
+            </a:r>
+            <a:endParaRPr lang="zh-CN" altLang="en-US"/>
+          </a:p>
+          <a:p>
+            <a:r>
+              <a:rPr lang="zh-CN" altLang="en-US"/>
+              <a:t>节点：5242</a:t>
+            </a:r>
+            <a:endParaRPr lang="zh-CN" altLang="en-US"/>
+          </a:p>
+          <a:p>
+            <a:r>
+              <a:rPr lang="zh-CN" altLang="en-US"/>
+              <a:t>边：</a:t>
+            </a:r>
+            <a:r>
+              <a:rPr lang="en-US" altLang="zh-CN"/>
+              <a:t>28980</a:t>
+            </a:r>
+            <a:endParaRPr lang="zh-CN" altLang="en-US"/>
+          </a:p>
+          <a:p>
+            <a:endParaRPr lang="zh-CN" altLang="en-US"/>
+          </a:p>
+        </p:txBody>
+      </p:sp>
+      <p:sp>
+        <p:nvSpPr>
+          <p:cNvPr id="4" name="文本框 3"/>
+          <p:cNvSpPr txBox="1"/>
+          <p:nvPr/>
+        </p:nvSpPr>
+        <p:spPr>
+          <a:xfrm>
+            <a:off x="5142230" y="4730115"/>
+            <a:ext cx="2751455" cy="922020"/>
+          </a:xfrm>
+          <a:prstGeom prst="rect">
+            <a:avLst/>
+          </a:prstGeom>
+          <a:noFill/>
+        </p:spPr>
+        <p:txBody>
+          <a:bodyPr wrap="square" rtlCol="0">
+            <a:spAutoFit/>
+          </a:bodyPr>
+          <a:p>
+            <a:r>
+              <a:rPr lang="zh-CN" altLang="en-US"/>
+              <a:t>第四</a:t>
+            </a:r>
+            <a:r>
+              <a:rPr lang="zh-CN" altLang="en-US"/>
+              <a:t>个数据集</a:t>
+            </a:r>
+            <a:endParaRPr lang="zh-CN" altLang="en-US"/>
+          </a:p>
+          <a:p>
+            <a:r>
+              <a:rPr lang="zh-CN" altLang="en-US"/>
+              <a:t>节点：</a:t>
+            </a:r>
+            <a:r>
+              <a:rPr lang="en-US" altLang="zh-CN"/>
+              <a:t>36682</a:t>
+            </a:r>
+            <a:endParaRPr lang="en-US" altLang="zh-CN"/>
+          </a:p>
+          <a:p>
+            <a:r>
+              <a:rPr lang="zh-CN" altLang="en-US"/>
+              <a:t>边：</a:t>
+            </a:r>
+            <a:r>
+              <a:rPr lang="en-US"/>
+              <a:t>88328</a:t>
+            </a:r>
+            <a:endParaRPr lang="en-US"/>
+          </a:p>
+        </p:txBody>
+      </p:sp>
+      <p:pic>
+        <p:nvPicPr>
+          <p:cNvPr id="6" name="图片 5"/>
+          <p:cNvPicPr>
+            <a:picLocks noChangeAspect="1"/>
+          </p:cNvPicPr>
+          <p:nvPr/>
+        </p:nvPicPr>
+        <p:blipFill>
+          <a:blip r:embed="rId4"/>
+          <a:stretch>
+            <a:fillRect/>
+          </a:stretch>
+        </p:blipFill>
+        <p:spPr>
+          <a:xfrm>
+            <a:off x="995045" y="4012565"/>
+            <a:ext cx="3293745" cy="2560320"/>
+          </a:xfrm>
+          <a:prstGeom prst="rect">
+            <a:avLst/>
+          </a:prstGeom>
+        </p:spPr>
+      </p:pic>
+    </p:spTree>
+  </p:cSld>
+  <p:clrMapOvr>
+    <a:masterClrMapping/>
+  </p:clrMapOvr>
+  <p:timing>
+    <p:tnLst>
+      <p:par>
+        <p:cTn id="1" dur="indefinite" restart="never" nodeType="tmRoot"/>
+      </p:par>
+    </p:tnLst>
+  </p:timing>
+</p:sld>
+</file>
+
+<file path=ppt/slides/slide14.xml><?xml version="1.0" encoding="utf-8"?>
+<p:sld xmlns:a="http://schemas.openxmlformats.org/drawingml/2006/main" xmlns:r="http://schemas.openxmlformats.org/officeDocument/2006/relationships" xmlns:p="http://schemas.openxmlformats.org/presentationml/2006/main">
+  <p:cSld>
+    <p:spTree>
+      <p:nvGrpSpPr>
+        <p:cNvPr id="1" name=""/>
+        <p:cNvGrpSpPr/>
+        <p:nvPr/>
+      </p:nvGrpSpPr>
+      <p:grpSpPr>
+        <a:xfrm>
+          <a:off x="0" y="0"/>
+          <a:ext cx="0" cy="0"/>
+          <a:chOff x="0" y="0"/>
+          <a:chExt cx="0" cy="0"/>
+        </a:xfrm>
+      </p:grpSpPr>
+      <p:sp>
+        <p:nvSpPr>
+          <p:cNvPr id="3" name="灯片编号占位符 2"/>
+          <p:cNvSpPr>
+            <a:spLocks noGrp="1"/>
+          </p:cNvSpPr>
+          <p:nvPr>
+            <p:ph type="sldNum" sz="quarter" idx="4"/>
+          </p:nvPr>
+        </p:nvSpPr>
+        <p:spPr/>
+        <p:txBody>
+          <a:bodyPr/>
+          <a:lstStyle/>
+          <a:p>
+            <a:fld id="{E4AD1595-9615-4E1E-9346-9F3D638DC426}" type="slidenum">
+              <a:rPr lang="zh-CN" altLang="en-US" smtClean="0"/>
+            </a:fld>
+            <a:endParaRPr lang="zh-CN" altLang="en-US"/>
+          </a:p>
+        </p:txBody>
+      </p:sp>
+      <p:sp>
+        <p:nvSpPr>
+          <p:cNvPr id="38" name="文本占位符 1"/>
+          <p:cNvSpPr>
+            <a:spLocks noGrp="1"/>
+          </p:cNvSpPr>
+          <p:nvPr>
+            <p:ph type="body" sz="quarter" idx="10"/>
+          </p:nvPr>
+        </p:nvSpPr>
+        <p:spPr>
+          <a:xfrm>
+            <a:off x="289608" y="217489"/>
+            <a:ext cx="7098163" cy="583565"/>
+          </a:xfrm>
+        </p:spPr>
+        <p:txBody>
+          <a:bodyPr/>
+          <a:lstStyle/>
+          <a:p>
+            <a:r>
+              <a:rPr lang="zh-CN" altLang="en-US" dirty="0"/>
+              <a:t>贡献点</a:t>
+            </a:r>
+            <a:endParaRPr lang="zh-CN" altLang="en-US" dirty="0"/>
+          </a:p>
+        </p:txBody>
+      </p:sp>
+      <p:graphicFrame>
+        <p:nvGraphicFramePr>
+          <p:cNvPr id="5" name="对象 4">
+            <a:hlinkClick r:id="" action="ppaction://ole?verb="/>
+          </p:cNvPr>
+          <p:cNvGraphicFramePr>
+            <a:graphicFrameLocks noChangeAspect="1"/>
+          </p:cNvGraphicFramePr>
+          <p:nvPr/>
+        </p:nvGraphicFramePr>
+        <p:xfrm>
+          <a:off x="4114800" y="3321050"/>
+          <a:ext cx="914400" cy="215900"/>
+        </p:xfrm>
+        <a:graphic>
+          <a:graphicData uri="http://schemas.openxmlformats.org/presentationml/2006/ole">
+            <mc:AlternateContent xmlns:mc="http://schemas.openxmlformats.org/markup-compatibility/2006">
+              <mc:Choice xmlns:v="urn:schemas-microsoft-com:vml" Requires="v">
+                <p:oleObj spid="_x0000_s2049" name="" r:id="rId1" imgW="914400" imgH="215900" progId="Equation.KSEE3">
+                  <p:embed/>
+                </p:oleObj>
+              </mc:Choice>
+              <mc:Fallback>
+                <p:oleObj name="" r:id="rId1" imgW="914400" imgH="215900" progId="Equation.KSEE3">
+                  <p:embed/>
+                  <p:pic>
+                    <p:nvPicPr>
+                      <p:cNvPr id="0" name="图片 2048"/>
+                      <p:cNvPicPr/>
+                      <p:nvPr/>
+                    </p:nvPicPr>
+                    <p:blipFill>
+                      <a:blip r:embed="rId2"/>
+                      <a:stretch>
+                        <a:fillRect/>
+                      </a:stretch>
+                    </p:blipFill>
+                    <p:spPr>
+                      <a:xfrm>
+                        <a:off x="4114800" y="3321050"/>
+                        <a:ext cx="914400" cy="215900"/>
+                      </a:xfrm>
+                      <a:prstGeom prst="rect">
+                        <a:avLst/>
+                      </a:prstGeom>
+                    </p:spPr>
+                  </p:pic>
+                </p:oleObj>
+              </mc:Fallback>
+            </mc:AlternateContent>
+          </a:graphicData>
+        </a:graphic>
+      </p:graphicFrame>
+      <p:sp>
+        <p:nvSpPr>
+          <p:cNvPr id="7" name="文本框 6"/>
+          <p:cNvSpPr txBox="1"/>
+          <p:nvPr/>
+        </p:nvSpPr>
+        <p:spPr>
+          <a:xfrm>
+            <a:off x="454025" y="1360805"/>
+            <a:ext cx="8236585" cy="398780"/>
+          </a:xfrm>
+          <a:prstGeom prst="rect">
+            <a:avLst/>
+          </a:prstGeom>
+          <a:noFill/>
+        </p:spPr>
+        <p:txBody>
+          <a:bodyPr wrap="square" rtlCol="0">
+            <a:spAutoFit/>
+          </a:bodyPr>
+          <a:p>
+            <a:endParaRPr lang="zh-CN" altLang="en-US" sz="2000" dirty="0">
+              <a:solidFill>
+                <a:schemeClr val="tx1">
+                  <a:lumMod val="75000"/>
+                  <a:lumOff val="25000"/>
+                </a:schemeClr>
+              </a:solidFill>
+              <a:latin typeface="微软雅黑" panose="020B0503020204020204" pitchFamily="34" charset="-122"/>
+              <a:ea typeface="微软雅黑" panose="020B0503020204020204" pitchFamily="34" charset="-122"/>
+              <a:sym typeface="+mn-ea"/>
+            </a:endParaRPr>
+          </a:p>
+        </p:txBody>
+      </p:sp>
+      <p:sp>
+        <p:nvSpPr>
           <p:cNvPr id="2" name="文本框 1"/>
           <p:cNvSpPr txBox="1"/>
           <p:nvPr/>
@@ -7402,7 +7820,7 @@
         </p:nvSpPr>
         <p:spPr>
           <a:xfrm>
-            <a:off x="722630" y="1675130"/>
+            <a:off x="714375" y="1675130"/>
             <a:ext cx="1704975" cy="1591310"/>
           </a:xfrm>
           <a:prstGeom prst="ellipse">
@@ -7832,7 +8250,7 @@
       </p:par>
     </p:tnLst>
     <p:bldLst>
-      <p:bldP spid="5" grpId="0" animBg="1"/>
+      <p:bldP spid="5" grpId="0" bldLvl="0" animBg="1"/>
       <p:bldP spid="4" grpId="0" animBg="1"/>
       <p:bldP spid="7" grpId="0"/>
       <p:bldP spid="5" grpId="1" animBg="1"/>
@@ -10688,8 +11106,8 @@
         </p:blipFill>
         <p:spPr>
           <a:xfrm>
-            <a:off x="78740" y="1630680"/>
-            <a:ext cx="5919470" cy="4196080"/>
+            <a:off x="45085" y="1998980"/>
+            <a:ext cx="4926965" cy="3493135"/>
           </a:xfrm>
           <a:prstGeom prst="rect">
             <a:avLst/>
@@ -10699,13 +11117,15 @@
       <p:cxnSp>
         <p:nvCxnSpPr>
           <p:cNvPr id="11" name="直接箭头连接符 10"/>
-          <p:cNvCxnSpPr/>
+          <p:cNvCxnSpPr>
+            <a:stCxn id="12" idx="1"/>
+          </p:cNvCxnSpPr>
           <p:nvPr/>
         </p:nvCxnSpPr>
         <p:spPr>
-          <a:xfrm flipH="1">
-            <a:off x="6144260" y="3602355"/>
-            <a:ext cx="681355" cy="403225"/>
+          <a:xfrm flipH="1" flipV="1">
+            <a:off x="5213350" y="4117340"/>
+            <a:ext cx="1147445" cy="29845"/>
           </a:xfrm>
           <a:prstGeom prst="straightConnector1">
             <a:avLst/>
@@ -10737,8 +11157,8 @@
         </p:nvSpPr>
         <p:spPr>
           <a:xfrm>
-            <a:off x="6811645" y="2948305"/>
-            <a:ext cx="1752600" cy="645160"/>
+            <a:off x="6360795" y="3686175"/>
+            <a:ext cx="1452880" cy="922020"/>
           </a:xfrm>
           <a:prstGeom prst="rect">
             <a:avLst/>
@@ -10749,6 +11169,9 @@
           <a:bodyPr wrap="square" rtlCol="0">
             <a:spAutoFit/>
           </a:bodyPr>
+          <a:p>
+            <a:endParaRPr lang="zh-CN" altLang="en-US"/>
+          </a:p>
           <a:p>
             <a:r>
               <a:rPr lang="zh-CN" altLang="en-US"/>
